--- a/OluwanifemiAA1.pptx
+++ b/OluwanifemiAA1.pptx
@@ -380,7 +380,7 @@
           <a:p>
             <a:fld id="{9184DA70-C731-4C70-880D-CCD4705E623C}" type="datetime1">
               <a:rPr lang="en-US" smtClean="0"/>
-              <a:t>4/23/2021</a:t>
+              <a:t>4/24/2021</a:t>
             </a:fld>
             <a:endParaRPr lang="en-US" dirty="0"/>
           </a:p>
@@ -568,7 +568,7 @@
           <a:p>
             <a:fld id="{4BE1D723-8F53-4F53-90B0-1982A396982E}" type="datetime1">
               <a:rPr lang="en-US" smtClean="0"/>
-              <a:t>4/23/2021</a:t>
+              <a:t>4/24/2021</a:t>
             </a:fld>
             <a:endParaRPr lang="en-US" dirty="0"/>
           </a:p>
@@ -941,7 +941,7 @@
           <a:p>
             <a:fld id="{97669AF7-7BEB-44E4-9852-375E34362B5B}" type="datetime1">
               <a:rPr lang="en-US" smtClean="0"/>
-              <a:t>4/23/2021</a:t>
+              <a:t>4/24/2021</a:t>
             </a:fld>
             <a:endParaRPr lang="en-US" dirty="0"/>
           </a:p>
@@ -1196,7 +1196,7 @@
           <a:p>
             <a:fld id="{BAAAC38D-0552-4C82-B593-E6124DFADBE2}" type="datetime1">
               <a:rPr lang="en-US" smtClean="0"/>
-              <a:t>4/23/2021</a:t>
+              <a:t>4/24/2021</a:t>
             </a:fld>
             <a:endParaRPr lang="en-US" dirty="0"/>
           </a:p>
@@ -1593,7 +1593,7 @@
           <a:p>
             <a:fld id="{D9DF0F1C-5577-4ACB-BB62-DF8F3C494C7E}" type="datetime1">
               <a:rPr lang="en-US" smtClean="0"/>
-              <a:t>4/23/2021</a:t>
+              <a:t>4/24/2021</a:t>
             </a:fld>
             <a:endParaRPr lang="en-US" dirty="0"/>
           </a:p>
@@ -1729,7 +1729,7 @@
           <a:p>
             <a:fld id="{1775B394-D9F9-4F0C-B15D-605F45CB9E9F}" type="datetime1">
               <a:rPr lang="en-US" smtClean="0"/>
-              <a:t>4/23/2021</a:t>
+              <a:t>4/24/2021</a:t>
             </a:fld>
             <a:endParaRPr lang="en-US" dirty="0"/>
           </a:p>
@@ -1886,7 +1886,7 @@
           <a:p>
             <a:fld id="{39667345-2558-425A-8533-9BFDBCE15005}" type="datetime1">
               <a:rPr lang="en-US" smtClean="0"/>
-              <a:t>4/23/2021</a:t>
+              <a:t>4/24/2021</a:t>
             </a:fld>
             <a:endParaRPr lang="en-US" dirty="0"/>
           </a:p>
@@ -2215,7 +2215,7 @@
           <a:p>
             <a:fld id="{92BEA474-078D-4E9B-9B14-09A87B19DC46}" type="datetime1">
               <a:rPr lang="en-US" smtClean="0"/>
-              <a:t>4/23/2021</a:t>
+              <a:t>4/24/2021</a:t>
             </a:fld>
             <a:endParaRPr lang="en-US" dirty="0"/>
           </a:p>
@@ -2565,7 +2565,7 @@
           <a:p>
             <a:fld id="{4907D986-8816-4272-A432-0437A28A9828}" type="datetime1">
               <a:rPr lang="en-US" smtClean="0"/>
-              <a:t>4/23/2021</a:t>
+              <a:t>4/24/2021</a:t>
             </a:fld>
             <a:endParaRPr lang="en-US" dirty="0"/>
           </a:p>
@@ -2826,7 +2826,7 @@
           <a:p>
             <a:fld id="{62D6E202-B606-4609-B914-27C9371A1F6D}" type="datetime1">
               <a:rPr lang="en-US" smtClean="0"/>
-              <a:t>4/23/2021</a:t>
+              <a:t>4/24/2021</a:t>
             </a:fld>
             <a:endParaRPr lang="en-US" dirty="0"/>
           </a:p>
@@ -3473,8 +3473,12 @@
           <a:lstStyle/>
           <a:p>
             <a:r>
+              <a:rPr lang="en-US" sz="8800"/>
+              <a:t>LAB EXERCISE </a:t>
+            </a:r>
+            <a:r>
               <a:rPr lang="en-US" sz="8800" dirty="0"/>
-              <a:t>LAB EXERCISE 2(TWO)</a:t>
+              <a:t>2(TWO)</a:t>
             </a:r>
           </a:p>
         </p:txBody>
@@ -7054,8 +7058,8 @@
           </a:prstGeom>
         </p:spPr>
       </p:pic>
-      <mc:AlternateContent xmlns:mc="http://schemas.openxmlformats.org/markup-compatibility/2006">
-        <mc:Choice xmlns:a14="http://schemas.microsoft.com/office/drawing/2010/main" Requires="a14">
+      <mc:AlternateContent xmlns:mc="http://schemas.openxmlformats.org/markup-compatibility/2006" xmlns:a14="http://schemas.microsoft.com/office/drawing/2010/main">
+        <mc:Choice Requires="a14">
           <p:sp>
             <p:nvSpPr>
               <p:cNvPr id="4" name="TextBox 3">
@@ -7338,7 +7342,7 @@
             </p:txBody>
           </p:sp>
         </mc:Choice>
-        <mc:Fallback>
+        <mc:Fallback xmlns="">
           <p:sp>
             <p:nvSpPr>
               <p:cNvPr id="4" name="TextBox 3">
@@ -7383,8 +7387,8 @@
           </p:sp>
         </mc:Fallback>
       </mc:AlternateContent>
-      <mc:AlternateContent xmlns:mc="http://schemas.openxmlformats.org/markup-compatibility/2006">
-        <mc:Choice xmlns:a14="http://schemas.microsoft.com/office/drawing/2010/main" Requires="a14">
+      <mc:AlternateContent xmlns:mc="http://schemas.openxmlformats.org/markup-compatibility/2006" xmlns:a14="http://schemas.microsoft.com/office/drawing/2010/main">
+        <mc:Choice Requires="a14">
           <p:sp>
             <p:nvSpPr>
               <p:cNvPr id="7" name="TextBox 6">
@@ -7660,7 +7664,7 @@
             </p:txBody>
           </p:sp>
         </mc:Choice>
-        <mc:Fallback>
+        <mc:Fallback xmlns="">
           <p:sp>
             <p:nvSpPr>
               <p:cNvPr id="7" name="TextBox 6">
@@ -8596,8 +8600,8 @@
           </a:p>
         </p:txBody>
       </p:sp>
-      <mc:AlternateContent xmlns:mc="http://schemas.openxmlformats.org/markup-compatibility/2006">
-        <mc:Choice xmlns:a14="http://schemas.microsoft.com/office/drawing/2010/main" Requires="a14">
+      <mc:AlternateContent xmlns:mc="http://schemas.openxmlformats.org/markup-compatibility/2006" xmlns:a14="http://schemas.microsoft.com/office/drawing/2010/main">
+        <mc:Choice Requires="a14">
           <p:sp>
             <p:nvSpPr>
               <p:cNvPr id="6" name="TextBox 5">
@@ -8748,7 +8752,7 @@
             </p:txBody>
           </p:sp>
         </mc:Choice>
-        <mc:Fallback>
+        <mc:Fallback xmlns="">
           <p:sp>
             <p:nvSpPr>
               <p:cNvPr id="6" name="TextBox 5">
@@ -8877,8 +8881,8 @@
           </a:p>
         </p:txBody>
       </p:sp>
-      <mc:AlternateContent xmlns:mc="http://schemas.openxmlformats.org/markup-compatibility/2006">
-        <mc:Choice xmlns:a14="http://schemas.microsoft.com/office/drawing/2010/main" Requires="a14">
+      <mc:AlternateContent xmlns:mc="http://schemas.openxmlformats.org/markup-compatibility/2006" xmlns:a14="http://schemas.microsoft.com/office/drawing/2010/main">
+        <mc:Choice Requires="a14">
           <p:sp>
             <p:nvSpPr>
               <p:cNvPr id="18" name="TextBox 17">
@@ -8988,7 +8992,7 @@
             </p:txBody>
           </p:sp>
         </mc:Choice>
-        <mc:Fallback>
+        <mc:Fallback xmlns="">
           <p:sp>
             <p:nvSpPr>
               <p:cNvPr id="18" name="TextBox 17">
@@ -9134,8 +9138,8 @@
           </a:prstGeom>
         </p:spPr>
       </p:pic>
-      <mc:AlternateContent xmlns:mc="http://schemas.openxmlformats.org/markup-compatibility/2006">
-        <mc:Choice xmlns:a14="http://schemas.microsoft.com/office/drawing/2010/main" Requires="a14">
+      <mc:AlternateContent xmlns:mc="http://schemas.openxmlformats.org/markup-compatibility/2006" xmlns:a14="http://schemas.microsoft.com/office/drawing/2010/main">
+        <mc:Choice Requires="a14">
           <p:sp>
             <p:nvSpPr>
               <p:cNvPr id="30" name="TextBox 29">
@@ -9282,7 +9286,7 @@
             </p:txBody>
           </p:sp>
         </mc:Choice>
-        <mc:Fallback>
+        <mc:Fallback xmlns="">
           <p:sp>
             <p:nvSpPr>
               <p:cNvPr id="30" name="TextBox 29">
@@ -9327,8 +9331,8 @@
           </p:sp>
         </mc:Fallback>
       </mc:AlternateContent>
-      <mc:AlternateContent xmlns:mc="http://schemas.openxmlformats.org/markup-compatibility/2006">
-        <mc:Choice xmlns:a14="http://schemas.microsoft.com/office/drawing/2010/main" Requires="a14">
+      <mc:AlternateContent xmlns:mc="http://schemas.openxmlformats.org/markup-compatibility/2006" xmlns:a14="http://schemas.microsoft.com/office/drawing/2010/main">
+        <mc:Choice Requires="a14">
           <p:sp>
             <p:nvSpPr>
               <p:cNvPr id="31" name="TextBox 30">
@@ -9439,7 +9443,7 @@
             </p:txBody>
           </p:sp>
         </mc:Choice>
-        <mc:Fallback>
+        <mc:Fallback xmlns="">
           <p:sp>
             <p:nvSpPr>
               <p:cNvPr id="31" name="TextBox 30">
@@ -9484,8 +9488,8 @@
           </p:sp>
         </mc:Fallback>
       </mc:AlternateContent>
-      <mc:AlternateContent xmlns:mc="http://schemas.openxmlformats.org/markup-compatibility/2006">
-        <mc:Choice xmlns:a14="http://schemas.microsoft.com/office/drawing/2010/main" Requires="a14">
+      <mc:AlternateContent xmlns:mc="http://schemas.openxmlformats.org/markup-compatibility/2006" xmlns:a14="http://schemas.microsoft.com/office/drawing/2010/main">
+        <mc:Choice Requires="a14">
           <p:sp>
             <p:nvSpPr>
               <p:cNvPr id="33" name="TextBox 32">
@@ -9632,7 +9636,7 @@
             </p:txBody>
           </p:sp>
         </mc:Choice>
-        <mc:Fallback>
+        <mc:Fallback xmlns="">
           <p:sp>
             <p:nvSpPr>
               <p:cNvPr id="33" name="TextBox 32">
@@ -9677,8 +9681,8 @@
           </p:sp>
         </mc:Fallback>
       </mc:AlternateContent>
-      <mc:AlternateContent xmlns:mc="http://schemas.openxmlformats.org/markup-compatibility/2006">
-        <mc:Choice xmlns:a14="http://schemas.microsoft.com/office/drawing/2010/main" Requires="a14">
+      <mc:AlternateContent xmlns:mc="http://schemas.openxmlformats.org/markup-compatibility/2006" xmlns:a14="http://schemas.microsoft.com/office/drawing/2010/main">
+        <mc:Choice Requires="a14">
           <p:sp>
             <p:nvSpPr>
               <p:cNvPr id="34" name="TextBox 33">
@@ -9789,7 +9793,7 @@
             </p:txBody>
           </p:sp>
         </mc:Choice>
-        <mc:Fallback>
+        <mc:Fallback xmlns="">
           <p:sp>
             <p:nvSpPr>
               <p:cNvPr id="34" name="TextBox 33">
@@ -12163,12 +12167,12 @@
 </file>
 
 <file path=customXml/item1.xml><?xml version="1.0" encoding="utf-8"?>
-<p:properties xmlns:p="http://schemas.microsoft.com/office/2006/metadata/properties" xmlns:xsi="http://www.w3.org/2001/XMLSchema-instance" xmlns:pc="http://schemas.microsoft.com/office/infopath/2007/PartnerControls">
-  <documentManagement>
-    <Status xmlns="71af3243-3dd4-4a8d-8c0d-dd76da1f02a5">Not started</Status>
-    <MediaServiceKeyPoints xmlns="71af3243-3dd4-4a8d-8c0d-dd76da1f02a5" xsi:nil="true"/>
-  </documentManagement>
-</p:properties>
+<?mso-contentType ?>
+<FormTemplates xmlns="http://schemas.microsoft.com/sharepoint/v3/contenttype/forms">
+  <Display>DocumentLibraryForm</Display>
+  <Edit>DocumentLibraryForm</Edit>
+  <New>DocumentLibraryForm</New>
+</FormTemplates>
 </file>
 
 <file path=customXml/item2.xml><?xml version="1.0" encoding="utf-8"?>
@@ -12393,20 +12397,18 @@
 </file>
 
 <file path=customXml/item3.xml><?xml version="1.0" encoding="utf-8"?>
-<?mso-contentType ?>
-<FormTemplates xmlns="http://schemas.microsoft.com/sharepoint/v3/contenttype/forms">
-  <Display>DocumentLibraryForm</Display>
-  <Edit>DocumentLibraryForm</Edit>
-  <New>DocumentLibraryForm</New>
-</FormTemplates>
+<p:properties xmlns:p="http://schemas.microsoft.com/office/2006/metadata/properties" xmlns:xsi="http://www.w3.org/2001/XMLSchema-instance" xmlns:pc="http://schemas.microsoft.com/office/infopath/2007/PartnerControls">
+  <documentManagement>
+    <Status xmlns="71af3243-3dd4-4a8d-8c0d-dd76da1f02a5">Not started</Status>
+    <MediaServiceKeyPoints xmlns="71af3243-3dd4-4a8d-8c0d-dd76da1f02a5" xsi:nil="true"/>
+  </documentManagement>
+</p:properties>
 </file>
 
 <file path=customXml/itemProps1.xml><?xml version="1.0" encoding="utf-8"?>
-<ds:datastoreItem xmlns:ds="http://schemas.openxmlformats.org/officeDocument/2006/customXml" ds:itemID="{4F5B1FD9-3BB6-4DA9-A089-3B68C2323D4F}">
+<ds:datastoreItem xmlns:ds="http://schemas.openxmlformats.org/officeDocument/2006/customXml" ds:itemID="{638A3B04-B0F3-4C12-A722-52B5CF6D9723}">
   <ds:schemaRefs>
-    <ds:schemaRef ds:uri="http://schemas.microsoft.com/office/2006/metadata/properties"/>
-    <ds:schemaRef ds:uri="http://schemas.microsoft.com/office/infopath/2007/PartnerControls"/>
-    <ds:schemaRef ds:uri="71af3243-3dd4-4a8d-8c0d-dd76da1f02a5"/>
+    <ds:schemaRef ds:uri="http://schemas.microsoft.com/sharepoint/v3/contenttype/forms"/>
   </ds:schemaRefs>
 </ds:datastoreItem>
 </file>
@@ -12431,9 +12433,11 @@
 </file>
 
 <file path=customXml/itemProps3.xml><?xml version="1.0" encoding="utf-8"?>
-<ds:datastoreItem xmlns:ds="http://schemas.openxmlformats.org/officeDocument/2006/customXml" ds:itemID="{638A3B04-B0F3-4C12-A722-52B5CF6D9723}">
+<ds:datastoreItem xmlns:ds="http://schemas.openxmlformats.org/officeDocument/2006/customXml" ds:itemID="{4F5B1FD9-3BB6-4DA9-A089-3B68C2323D4F}">
   <ds:schemaRefs>
-    <ds:schemaRef ds:uri="http://schemas.microsoft.com/sharepoint/v3/contenttype/forms"/>
+    <ds:schemaRef ds:uri="http://schemas.microsoft.com/office/2006/metadata/properties"/>
+    <ds:schemaRef ds:uri="http://schemas.microsoft.com/office/infopath/2007/PartnerControls"/>
+    <ds:schemaRef ds:uri="71af3243-3dd4-4a8d-8c0d-dd76da1f02a5"/>
   </ds:schemaRefs>
 </ds:datastoreItem>
 </file>